--- a/WebContent/HANA/PPT/0608 전현규.pptx
+++ b/WebContent/HANA/PPT/0608 전현규.pptx
@@ -49,32 +49,32 @@
   <p:notesSz cx="6858000" cy="9144000"/>
   <p:embeddedFontLst>
     <p:embeddedFont>
-      <p:font typeface="맑은 고딕" panose="020B0503020000020004" pitchFamily="50" charset="-127"/>
-      <p:regular r:id="rId39"/>
-      <p:bold r:id="rId40"/>
+      <p:font typeface="나눔스퀘어_ac Bold" panose="020B0600000101010101" pitchFamily="50" charset="-127"/>
+      <p:bold r:id="rId39"/>
+    </p:embeddedFont>
+    <p:embeddedFont>
+      <p:font typeface="Consolas" panose="020B0609020204030204" pitchFamily="49" charset="0"/>
+      <p:regular r:id="rId40"/>
+      <p:bold r:id="rId41"/>
+      <p:italic r:id="rId42"/>
+      <p:boldItalic r:id="rId43"/>
+    </p:embeddedFont>
+    <p:embeddedFont>
+      <p:font typeface="나눔스퀘어_ac ExtraBold" panose="020B0600000101010101" pitchFamily="50" charset="-127"/>
+      <p:bold r:id="rId44"/>
     </p:embeddedFont>
     <p:embeddedFont>
       <p:font typeface="나눔스퀘어_ac" panose="020B0600000101010101" pitchFamily="50" charset="-127"/>
-      <p:regular r:id="rId41"/>
-    </p:embeddedFont>
-    <p:embeddedFont>
-      <p:font typeface="나눔스퀘어_ac ExtraBold" panose="020B0600000101010101" pitchFamily="50" charset="-127"/>
-      <p:bold r:id="rId42"/>
+      <p:regular r:id="rId45"/>
     </p:embeddedFont>
     <p:embeddedFont>
       <p:font typeface="타이포_스톰 B" panose="02020503020101020101" pitchFamily="18" charset="-127"/>
-      <p:regular r:id="rId43"/>
+      <p:regular r:id="rId46"/>
     </p:embeddedFont>
     <p:embeddedFont>
-      <p:font typeface="나눔스퀘어_ac Bold" panose="020B0600000101010101" pitchFamily="50" charset="-127"/>
-      <p:bold r:id="rId44"/>
-    </p:embeddedFont>
-    <p:embeddedFont>
-      <p:font typeface="Consolas" panose="020B0609020204030204" pitchFamily="49" charset="0"/>
-      <p:regular r:id="rId45"/>
-      <p:bold r:id="rId46"/>
-      <p:italic r:id="rId47"/>
-      <p:boldItalic r:id="rId48"/>
+      <p:font typeface="맑은 고딕" panose="020B0503020000020004" pitchFamily="50" charset="-127"/>
+      <p:regular r:id="rId47"/>
+      <p:bold r:id="rId48"/>
     </p:embeddedFont>
   </p:embeddedFontLst>
   <p:defaultTextStyle>
@@ -273,7 +273,7 @@
           <a:p>
             <a:fld id="{B3C72940-44EF-4FB7-AB25-A5F13213BF8F}" type="datetimeFigureOut">
               <a:rPr lang="ko-KR" altLang="en-US" smtClean="0"/>
-              <a:t>2020-06-01</a:t>
+              <a:t>2020-06-02</a:t>
             </a:fld>
             <a:endParaRPr lang="ko-KR" altLang="en-US"/>
           </a:p>
@@ -792,7 +792,7 @@
                 </a:solidFill>
               </a:rPr>
               <a:pPr/>
-              <a:t>2020-06-01</a:t>
+              <a:t>2020-06-02</a:t>
             </a:fld>
             <a:endParaRPr lang="ko-KR" altLang="en-US">
               <a:solidFill>
@@ -1076,7 +1076,7 @@
                 </a:solidFill>
               </a:rPr>
               <a:pPr/>
-              <a:t>2020-06-01</a:t>
+              <a:t>2020-06-02</a:t>
             </a:fld>
             <a:endParaRPr lang="ko-KR" altLang="en-US">
               <a:solidFill>
@@ -1276,7 +1276,7 @@
                 </a:solidFill>
               </a:rPr>
               <a:pPr/>
-              <a:t>2020-06-01</a:t>
+              <a:t>2020-06-02</a:t>
             </a:fld>
             <a:endParaRPr lang="ko-KR" altLang="en-US">
               <a:solidFill>
@@ -1486,7 +1486,7 @@
                 </a:solidFill>
               </a:rPr>
               <a:pPr/>
-              <a:t>2020-06-01</a:t>
+              <a:t>2020-06-02</a:t>
             </a:fld>
             <a:endParaRPr lang="ko-KR" altLang="en-US">
               <a:solidFill>
@@ -1788,7 +1788,7 @@
                 </a:solidFill>
               </a:rPr>
               <a:pPr/>
-              <a:t>2020-06-01</a:t>
+              <a:t>2020-06-02</a:t>
             </a:fld>
             <a:endParaRPr lang="ko-KR" altLang="en-US">
               <a:solidFill>
@@ -1988,7 +1988,7 @@
                 </a:solidFill>
               </a:rPr>
               <a:pPr/>
-              <a:t>2020-06-01</a:t>
+              <a:t>2020-06-02</a:t>
             </a:fld>
             <a:endParaRPr lang="ko-KR" altLang="en-US">
               <a:solidFill>
@@ -2265,7 +2265,7 @@
                 </a:solidFill>
               </a:rPr>
               <a:pPr/>
-              <a:t>2020-06-01</a:t>
+              <a:t>2020-06-02</a:t>
             </a:fld>
             <a:endParaRPr lang="ko-KR" altLang="en-US">
               <a:solidFill>
@@ -2582,7 +2582,7 @@
                 </a:solidFill>
               </a:rPr>
               <a:pPr/>
-              <a:t>2020-06-01</a:t>
+              <a:t>2020-06-02</a:t>
             </a:fld>
             <a:endParaRPr lang="ko-KR" altLang="en-US">
               <a:solidFill>
@@ -3033,7 +3033,7 @@
                 </a:solidFill>
               </a:rPr>
               <a:pPr/>
-              <a:t>2020-06-01</a:t>
+              <a:t>2020-06-02</a:t>
             </a:fld>
             <a:endParaRPr lang="ko-KR" altLang="en-US">
               <a:solidFill>
@@ -3182,7 +3182,7 @@
                 </a:solidFill>
               </a:rPr>
               <a:pPr/>
-              <a:t>2020-06-01</a:t>
+              <a:t>2020-06-02</a:t>
             </a:fld>
             <a:endParaRPr lang="ko-KR" altLang="en-US">
               <a:solidFill>
@@ -3309,7 +3309,7 @@
                 </a:solidFill>
               </a:rPr>
               <a:pPr/>
-              <a:t>2020-06-01</a:t>
+              <a:t>2020-06-02</a:t>
             </a:fld>
             <a:endParaRPr lang="ko-KR" altLang="en-US">
               <a:solidFill>
@@ -4265,7 +4265,7 @@
                 </a:solidFill>
               </a:rPr>
               <a:pPr/>
-              <a:t>2020-06-01</a:t>
+              <a:t>2020-06-02</a:t>
             </a:fld>
             <a:endParaRPr lang="ko-KR" altLang="en-US">
               <a:solidFill>
@@ -7020,7 +7020,7 @@
           <p:cNvPr id="38" name="TextBox 37">
             <a:extLst>
               <a:ext uri="{FF2B5EF4-FFF2-40B4-BE49-F238E27FC236}">
-                <a16:creationId xmlns:a16="http://schemas.microsoft.com/office/drawing/2014/main" xmlns="" id="{BAE4291C-03B8-4E55-B8AB-AFC512F36275}"/>
+                <a16:creationId xmlns="" xmlns:a16="http://schemas.microsoft.com/office/drawing/2014/main" id="{BAE4291C-03B8-4E55-B8AB-AFC512F36275}"/>
               </a:ext>
             </a:extLst>
           </p:cNvPr>
@@ -7745,7 +7745,7 @@
           <p:cNvPr id="51" name="TextBox 50">
             <a:extLst>
               <a:ext uri="{FF2B5EF4-FFF2-40B4-BE49-F238E27FC236}">
-                <a16:creationId xmlns:a16="http://schemas.microsoft.com/office/drawing/2014/main" xmlns="" id="{BAE4291C-03B8-4E55-B8AB-AFC512F36275}"/>
+                <a16:creationId xmlns="" xmlns:a16="http://schemas.microsoft.com/office/drawing/2014/main" id="{BAE4291C-03B8-4E55-B8AB-AFC512F36275}"/>
               </a:ext>
             </a:extLst>
           </p:cNvPr>
@@ -7857,7 +7857,7 @@
           <p:cNvPr id="53" name="TextBox 52">
             <a:extLst>
               <a:ext uri="{FF2B5EF4-FFF2-40B4-BE49-F238E27FC236}">
-                <a16:creationId xmlns:a16="http://schemas.microsoft.com/office/drawing/2014/main" xmlns="" id="{BAE4291C-03B8-4E55-B8AB-AFC512F36275}"/>
+                <a16:creationId xmlns="" xmlns:a16="http://schemas.microsoft.com/office/drawing/2014/main" id="{BAE4291C-03B8-4E55-B8AB-AFC512F36275}"/>
               </a:ext>
             </a:extLst>
           </p:cNvPr>
@@ -8806,7 +8806,7 @@
           <p:cNvPr id="38" name="TextBox 37">
             <a:extLst>
               <a:ext uri="{FF2B5EF4-FFF2-40B4-BE49-F238E27FC236}">
-                <a16:creationId xmlns:a16="http://schemas.microsoft.com/office/drawing/2014/main" xmlns="" id="{BAE4291C-03B8-4E55-B8AB-AFC512F36275}"/>
+                <a16:creationId xmlns="" xmlns:a16="http://schemas.microsoft.com/office/drawing/2014/main" id="{BAE4291C-03B8-4E55-B8AB-AFC512F36275}"/>
               </a:ext>
             </a:extLst>
           </p:cNvPr>
@@ -9407,7 +9407,7 @@
           <p:cNvPr id="38" name="TextBox 37">
             <a:extLst>
               <a:ext uri="{FF2B5EF4-FFF2-40B4-BE49-F238E27FC236}">
-                <a16:creationId xmlns:a16="http://schemas.microsoft.com/office/drawing/2014/main" xmlns="" id="{BAE4291C-03B8-4E55-B8AB-AFC512F36275}"/>
+                <a16:creationId xmlns="" xmlns:a16="http://schemas.microsoft.com/office/drawing/2014/main" id="{BAE4291C-03B8-4E55-B8AB-AFC512F36275}"/>
               </a:ext>
             </a:extLst>
           </p:cNvPr>
@@ -17044,7 +17044,7 @@
         <p:spPr>
           <a:xfrm>
             <a:off x="391298" y="1332360"/>
-            <a:ext cx="8538518" cy="1030731"/>
+            <a:ext cx="8538518" cy="1708160"/>
           </a:xfrm>
           <a:prstGeom prst="rect">
             <a:avLst/>
@@ -17067,7 +17067,81 @@
               </a:lnSpc>
             </a:pPr>
             <a:r>
-              <a:rPr lang="en-US" altLang="ko-KR" sz="1400">
+              <a:rPr lang="en-US" altLang="ko-KR" sz="1400" smtClean="0">
+                <a:latin typeface="나눔스퀘어_ac Bold" panose="020B0600000101010101" pitchFamily="50" charset="-127"/>
+                <a:ea typeface="나눔스퀘어_ac Bold" panose="020B0600000101010101" pitchFamily="50" charset="-127"/>
+              </a:rPr>
+              <a:t>JQuery = </a:t>
+            </a:r>
+            <a:r>
+              <a:rPr lang="ko-KR" altLang="en-US" sz="1400" smtClean="0">
+                <a:latin typeface="나눔스퀘어_ac Bold" panose="020B0600000101010101" pitchFamily="50" charset="-127"/>
+                <a:ea typeface="나눔스퀘어_ac Bold" panose="020B0600000101010101" pitchFamily="50" charset="-127"/>
+              </a:rPr>
+              <a:t>오픈 소스 기반의 자바스크립트 라이브러리로</a:t>
+            </a:r>
+            <a:r>
+              <a:rPr lang="en-US" altLang="ko-KR" sz="1400" smtClean="0">
+                <a:latin typeface="나눔스퀘어_ac Bold" panose="020B0600000101010101" pitchFamily="50" charset="-127"/>
+                <a:ea typeface="나눔스퀘어_ac Bold" panose="020B0600000101010101" pitchFamily="50" charset="-127"/>
+              </a:rPr>
+              <a:t>, </a:t>
+            </a:r>
+            <a:r>
+              <a:rPr lang="ko-KR" altLang="en-US" sz="1400" smtClean="0">
+                <a:latin typeface="나눔스퀘어_ac Bold" panose="020B0600000101010101" pitchFamily="50" charset="-127"/>
+                <a:ea typeface="나눔스퀘어_ac Bold" panose="020B0600000101010101" pitchFamily="50" charset="-127"/>
+              </a:rPr>
+              <a:t>자바스크립트를 손쉽게 활용할 수 있게 도와준다</a:t>
+            </a:r>
+            <a:r>
+              <a:rPr lang="en-US" altLang="ko-KR" sz="1400" smtClean="0">
+                <a:latin typeface="나눔스퀘어_ac Bold" panose="020B0600000101010101" pitchFamily="50" charset="-127"/>
+                <a:ea typeface="나눔스퀘어_ac Bold" panose="020B0600000101010101" pitchFamily="50" charset="-127"/>
+              </a:rPr>
+              <a:t>. JQuery</a:t>
+            </a:r>
+            <a:r>
+              <a:rPr lang="ko-KR" altLang="en-US" sz="1400" smtClean="0">
+                <a:latin typeface="나눔스퀘어_ac Bold" panose="020B0600000101010101" pitchFamily="50" charset="-127"/>
+                <a:ea typeface="나눔스퀘어_ac Bold" panose="020B0600000101010101" pitchFamily="50" charset="-127"/>
+              </a:rPr>
+              <a:t>를 이용하면 짧고 단순한 코드로도 웹페이지에 다양한 효과나 연출을 적용할 </a:t>
+            </a:r>
+            <a:r>
+              <a:rPr lang="ko-KR" altLang="en-US" sz="1400">
+                <a:latin typeface="나눔스퀘어_ac Bold" panose="020B0600000101010101" pitchFamily="50" charset="-127"/>
+                <a:ea typeface="나눔스퀘어_ac Bold" panose="020B0600000101010101" pitchFamily="50" charset="-127"/>
+              </a:rPr>
+              <a:t>수</a:t>
+            </a:r>
+            <a:r>
+              <a:rPr lang="ko-KR" altLang="en-US" sz="1400" smtClean="0">
+                <a:latin typeface="나눔스퀘어_ac Bold" panose="020B0600000101010101" pitchFamily="50" charset="-127"/>
+                <a:ea typeface="나눔스퀘어_ac Bold" panose="020B0600000101010101" pitchFamily="50" charset="-127"/>
+              </a:rPr>
+              <a:t> 있다</a:t>
+            </a:r>
+            <a:r>
+              <a:rPr lang="en-US" altLang="ko-KR" sz="1400" smtClean="0">
+                <a:latin typeface="나눔스퀘어_ac Bold" panose="020B0600000101010101" pitchFamily="50" charset="-127"/>
+                <a:ea typeface="나눔스퀘어_ac Bold" panose="020B0600000101010101" pitchFamily="50" charset="-127"/>
+              </a:rPr>
+              <a:t>.</a:t>
+            </a:r>
+            <a:endParaRPr lang="en-US" altLang="ko-KR" sz="1400">
+              <a:latin typeface="나눔스퀘어_ac Bold" panose="020B0600000101010101" pitchFamily="50" charset="-127"/>
+              <a:ea typeface="나눔스퀘어_ac Bold" panose="020B0600000101010101" pitchFamily="50" charset="-127"/>
+            </a:endParaRPr>
+          </a:p>
+          <a:p>
+            <a:pPr fontAlgn="base">
+              <a:lnSpc>
+                <a:spcPct val="150000"/>
+              </a:lnSpc>
+            </a:pPr>
+            <a:r>
+              <a:rPr lang="en-US" altLang="ko-KR" sz="1400" smtClean="0">
                 <a:latin typeface="나눔스퀘어_ac Bold" panose="020B0600000101010101" pitchFamily="50" charset="-127"/>
                 <a:ea typeface="나눔스퀘어_ac Bold" panose="020B0600000101010101" pitchFamily="50" charset="-127"/>
               </a:rPr>
@@ -17287,8 +17361,8 @@
         </p:blipFill>
         <p:spPr>
           <a:xfrm>
-            <a:off x="391298" y="2523934"/>
-            <a:ext cx="6439799" cy="3705742"/>
+            <a:off x="391298" y="3110282"/>
+            <a:ext cx="5680729" cy="3268940"/>
           </a:xfrm>
           <a:prstGeom prst="rect">
             <a:avLst/>
@@ -21480,20 +21554,7 @@
                 <a:latin typeface="타이포_스톰 B" panose="02020503020101020101" pitchFamily="18" charset="-127"/>
                 <a:ea typeface="타이포_스톰 B" panose="02020503020101020101" pitchFamily="18" charset="-127"/>
               </a:rPr>
-              <a:t>차트선언 및 기본 </a:t>
-            </a:r>
-            <a:r>
-              <a:rPr lang="ko-KR" altLang="en-US" sz="2400">
-                <a:solidFill>
-                  <a:schemeClr val="tx1">
-                    <a:lumMod val="85000"/>
-                    <a:lumOff val="15000"/>
-                  </a:schemeClr>
-                </a:solidFill>
-                <a:latin typeface="타이포_스톰 B" panose="02020503020101020101" pitchFamily="18" charset="-127"/>
-                <a:ea typeface="타이포_스톰 B" panose="02020503020101020101" pitchFamily="18" charset="-127"/>
-              </a:rPr>
-              <a:t>입력정보</a:t>
+              <a:t>차트선언 및 기본 입력정보</a:t>
             </a:r>
             <a:r>
               <a:rPr lang="ko-KR" altLang="en-US" sz="2400" smtClean="0">
@@ -22560,7 +22621,15 @@
                   <a:prstClr val="black"/>
                 </a:solidFill>
               </a:rPr>
-              <a:t>형식의 </a:t>
+              <a:t>형식의 옵션을</a:t>
+            </a:r>
+            <a:r>
+              <a:rPr lang="en-US" altLang="ko-KR">
+                <a:solidFill>
+                  <a:prstClr val="black"/>
+                </a:solidFill>
+              </a:rPr>
+              <a:t> </a:t>
             </a:r>
             <a:r>
               <a:rPr lang="ko-KR" altLang="en-US" smtClean="0">
@@ -22568,31 +22637,7 @@
                   <a:prstClr val="black"/>
                 </a:solidFill>
               </a:rPr>
-              <a:t>옵션을</a:t>
-            </a:r>
-            <a:r>
-              <a:rPr lang="en-US" altLang="ko-KR">
-                <a:solidFill>
-                  <a:prstClr val="black"/>
-                </a:solidFill>
-              </a:rPr>
-              <a:t> </a:t>
-            </a:r>
-            <a:r>
-              <a:rPr lang="ko-KR" altLang="en-US" smtClean="0">
-                <a:solidFill>
-                  <a:prstClr val="black"/>
-                </a:solidFill>
-              </a:rPr>
-              <a:t>사용하여 </a:t>
-            </a:r>
-            <a:r>
-              <a:rPr lang="ko-KR" altLang="en-US" smtClean="0">
-                <a:solidFill>
-                  <a:prstClr val="black"/>
-                </a:solidFill>
-              </a:rPr>
-              <a:t>데이터 입력</a:t>
+              <a:t>사용하여 데이터 입력</a:t>
             </a:r>
             <a:r>
               <a:rPr lang="en-US" altLang="ko-KR" smtClean="0">

--- a/WebContent/HANA/PPT/0608 전현규.pptx
+++ b/WebContent/HANA/PPT/0608 전현규.pptx
@@ -47,21 +47,21 @@
   <p:notesSz cx="6858000" cy="9144000"/>
   <p:embeddedFontLst>
     <p:embeddedFont>
-      <p:font typeface="맑은 고딕" panose="020B0503020000020004" pitchFamily="50" charset="-127"/>
+      <p:font typeface="타이포_스톰 B" panose="02020503020101020101" pitchFamily="18" charset="-127"/>
       <p:regular r:id="rId37"/>
-      <p:bold r:id="rId38"/>
     </p:embeddedFont>
     <p:embeddedFont>
-      <p:font typeface="타이포_스톰 B" panose="02020503020101020101" pitchFamily="18" charset="-127"/>
-      <p:regular r:id="rId39"/>
+      <p:font typeface="맑은 고딕" panose="020B0503020000020004" pitchFamily="50" charset="-127"/>
+      <p:regular r:id="rId38"/>
+      <p:bold r:id="rId39"/>
+    </p:embeddedFont>
+    <p:embeddedFont>
+      <p:font typeface="나눔스퀘어_ac" panose="020B0600000101010101" pitchFamily="50" charset="-127"/>
+      <p:regular r:id="rId40"/>
     </p:embeddedFont>
     <p:embeddedFont>
       <p:font typeface="나눔스퀘어_ac Bold" panose="020B0600000101010101" pitchFamily="50" charset="-127"/>
-      <p:bold r:id="rId40"/>
-    </p:embeddedFont>
-    <p:embeddedFont>
-      <p:font typeface="나눔스퀘어_ac" panose="020B0600000101010101" pitchFamily="50" charset="-127"/>
-      <p:regular r:id="rId41"/>
+      <p:bold r:id="rId41"/>
     </p:embeddedFont>
     <p:embeddedFont>
       <p:font typeface="나눔스퀘어_ac ExtraBold" panose="020B0600000101010101" pitchFamily="50" charset="-127"/>
@@ -7011,7 +7011,7 @@
           <p:cNvPr id="38" name="TextBox 37">
             <a:extLst>
               <a:ext uri="{FF2B5EF4-FFF2-40B4-BE49-F238E27FC236}">
-                <a16:creationId xmlns="" xmlns:a16="http://schemas.microsoft.com/office/drawing/2014/main" id="{BAE4291C-03B8-4E55-B8AB-AFC512F36275}"/>
+                <a16:creationId xmlns:a16="http://schemas.microsoft.com/office/drawing/2014/main" xmlns="" id="{BAE4291C-03B8-4E55-B8AB-AFC512F36275}"/>
               </a:ext>
             </a:extLst>
           </p:cNvPr>
@@ -7736,7 +7736,7 @@
           <p:cNvPr id="51" name="TextBox 50">
             <a:extLst>
               <a:ext uri="{FF2B5EF4-FFF2-40B4-BE49-F238E27FC236}">
-                <a16:creationId xmlns="" xmlns:a16="http://schemas.microsoft.com/office/drawing/2014/main" id="{BAE4291C-03B8-4E55-B8AB-AFC512F36275}"/>
+                <a16:creationId xmlns:a16="http://schemas.microsoft.com/office/drawing/2014/main" xmlns="" id="{BAE4291C-03B8-4E55-B8AB-AFC512F36275}"/>
               </a:ext>
             </a:extLst>
           </p:cNvPr>
@@ -7848,7 +7848,7 @@
           <p:cNvPr id="53" name="TextBox 52">
             <a:extLst>
               <a:ext uri="{FF2B5EF4-FFF2-40B4-BE49-F238E27FC236}">
-                <a16:creationId xmlns="" xmlns:a16="http://schemas.microsoft.com/office/drawing/2014/main" id="{BAE4291C-03B8-4E55-B8AB-AFC512F36275}"/>
+                <a16:creationId xmlns:a16="http://schemas.microsoft.com/office/drawing/2014/main" xmlns="" id="{BAE4291C-03B8-4E55-B8AB-AFC512F36275}"/>
               </a:ext>
             </a:extLst>
           </p:cNvPr>
@@ -8797,7 +8797,7 @@
           <p:cNvPr id="38" name="TextBox 37">
             <a:extLst>
               <a:ext uri="{FF2B5EF4-FFF2-40B4-BE49-F238E27FC236}">
-                <a16:creationId xmlns="" xmlns:a16="http://schemas.microsoft.com/office/drawing/2014/main" id="{BAE4291C-03B8-4E55-B8AB-AFC512F36275}"/>
+                <a16:creationId xmlns:a16="http://schemas.microsoft.com/office/drawing/2014/main" xmlns="" id="{BAE4291C-03B8-4E55-B8AB-AFC512F36275}"/>
               </a:ext>
             </a:extLst>
           </p:cNvPr>
@@ -9398,7 +9398,7 @@
           <p:cNvPr id="38" name="TextBox 37">
             <a:extLst>
               <a:ext uri="{FF2B5EF4-FFF2-40B4-BE49-F238E27FC236}">
-                <a16:creationId xmlns="" xmlns:a16="http://schemas.microsoft.com/office/drawing/2014/main" id="{BAE4291C-03B8-4E55-B8AB-AFC512F36275}"/>
+                <a16:creationId xmlns:a16="http://schemas.microsoft.com/office/drawing/2014/main" xmlns="" id="{BAE4291C-03B8-4E55-B8AB-AFC512F36275}"/>
               </a:ext>
             </a:extLst>
           </p:cNvPr>
@@ -11410,14 +11410,14 @@
           <a:p>
             <a:pPr algn="ctr"/>
             <a:r>
-              <a:rPr lang="en-US" altLang="ko-KR" sz="1600" err="1" smtClean="0">
+              <a:rPr lang="en-US" altLang="ko-KR" sz="1600" smtClean="0">
                 <a:solidFill>
                   <a:prstClr val="white"/>
                 </a:solidFill>
                 <a:latin typeface="나눔스퀘어_ac ExtraBold" panose="020B0600000101010101" pitchFamily="50" charset="-127"/>
                 <a:ea typeface="나눔스퀘어_ac ExtraBold" panose="020B0600000101010101" pitchFamily="50" charset="-127"/>
               </a:rPr>
-              <a:t>jsp</a:t>
+              <a:t>View</a:t>
             </a:r>
             <a:endParaRPr lang="ko-KR" altLang="en-US" sz="1600">
               <a:solidFill>
@@ -11486,17 +11486,7 @@
                 <a:latin typeface="나눔스퀘어_ac" panose="020B0600000101010101" pitchFamily="50" charset="-127"/>
                 <a:ea typeface="나눔스퀘어_ac" panose="020B0600000101010101" pitchFamily="50" charset="-127"/>
               </a:rPr>
-              <a:t>1</a:t>
-            </a:r>
-            <a:r>
-              <a:rPr lang="en-US" altLang="ko-KR" sz="1200" smtClean="0">
-                <a:solidFill>
-                  <a:prstClr val="black"/>
-                </a:solidFill>
-                <a:latin typeface="나눔스퀘어_ac" panose="020B0600000101010101" pitchFamily="50" charset="-127"/>
-                <a:ea typeface="나눔스퀘어_ac" panose="020B0600000101010101" pitchFamily="50" charset="-127"/>
-              </a:rPr>
-              <a:t>. </a:t>
+              <a:t>1. </a:t>
             </a:r>
             <a:r>
               <a:rPr lang="ko-KR" altLang="en-US" sz="1200" smtClean="0">
@@ -11905,17 +11895,7 @@
                 <a:latin typeface="나눔스퀘어_ac" panose="020B0600000101010101" pitchFamily="50" charset="-127"/>
                 <a:ea typeface="나눔스퀘어_ac" panose="020B0600000101010101" pitchFamily="50" charset="-127"/>
               </a:rPr>
-              <a:t>종료일은 시작일보다 이후여야 </a:t>
-            </a:r>
-            <a:r>
-              <a:rPr lang="ko-KR" altLang="en-US" sz="1200" smtClean="0">
-                <a:solidFill>
-                  <a:prstClr val="black"/>
-                </a:solidFill>
-                <a:latin typeface="나눔스퀘어_ac" panose="020B0600000101010101" pitchFamily="50" charset="-127"/>
-                <a:ea typeface="나눔스퀘어_ac" panose="020B0600000101010101" pitchFamily="50" charset="-127"/>
-              </a:rPr>
-              <a:t>함</a:t>
+              <a:t>종료일은 시작일보다 이후여야 함</a:t>
             </a:r>
             <a:endParaRPr lang="en-US" altLang="ko-KR" sz="1200" smtClean="0">
               <a:solidFill>
@@ -12678,17 +12658,7 @@
                 <a:latin typeface="나눔스퀘어_ac" panose="020B0600000101010101" pitchFamily="50" charset="-127"/>
                 <a:ea typeface="나눔스퀘어_ac" panose="020B0600000101010101" pitchFamily="50" charset="-127"/>
               </a:rPr>
-              <a:t>1</a:t>
-            </a:r>
-            <a:r>
-              <a:rPr lang="en-US" altLang="ko-KR" sz="1200" smtClean="0">
-                <a:solidFill>
-                  <a:prstClr val="black"/>
-                </a:solidFill>
-                <a:latin typeface="나눔스퀘어_ac" panose="020B0600000101010101" pitchFamily="50" charset="-127"/>
-                <a:ea typeface="나눔스퀘어_ac" panose="020B0600000101010101" pitchFamily="50" charset="-127"/>
-              </a:rPr>
-              <a:t>. </a:t>
+              <a:t>1. </a:t>
             </a:r>
             <a:r>
               <a:rPr lang="ko-KR" altLang="en-US" sz="1200" smtClean="0">
@@ -13914,17 +13884,7 @@
                 <a:latin typeface="나눔스퀘어_ac" panose="020B0600000101010101" pitchFamily="50" charset="-127"/>
                 <a:ea typeface="나눔스퀘어_ac" panose="020B0600000101010101" pitchFamily="50" charset="-127"/>
               </a:rPr>
-              <a:t>1</a:t>
-            </a:r>
-            <a:r>
-              <a:rPr lang="en-US" altLang="ko-KR" sz="1200" smtClean="0">
-                <a:solidFill>
-                  <a:prstClr val="black"/>
-                </a:solidFill>
-                <a:latin typeface="나눔스퀘어_ac" panose="020B0600000101010101" pitchFamily="50" charset="-127"/>
-                <a:ea typeface="나눔스퀘어_ac" panose="020B0600000101010101" pitchFamily="50" charset="-127"/>
-              </a:rPr>
-              <a:t>. </a:t>
+              <a:t>1. </a:t>
             </a:r>
             <a:r>
               <a:rPr lang="ko-KR" altLang="en-US" sz="1200" smtClean="0">
@@ -15311,14 +15271,14 @@
           <a:p>
             <a:pPr algn="ctr"/>
             <a:r>
-              <a:rPr lang="en-US" altLang="ko-KR" sz="1600" err="1" smtClean="0">
+              <a:rPr lang="en-US" altLang="ko-KR" sz="1600">
                 <a:solidFill>
                   <a:prstClr val="white"/>
                 </a:solidFill>
                 <a:latin typeface="나눔스퀘어_ac ExtraBold" panose="020B0600000101010101" pitchFamily="50" charset="-127"/>
                 <a:ea typeface="나눔스퀘어_ac ExtraBold" panose="020B0600000101010101" pitchFamily="50" charset="-127"/>
               </a:rPr>
-              <a:t>jsp</a:t>
+              <a:t>View</a:t>
             </a:r>
             <a:endParaRPr lang="ko-KR" altLang="en-US" sz="1600">
               <a:solidFill>
@@ -15387,17 +15347,7 @@
                 <a:latin typeface="나눔스퀘어_ac" panose="020B0600000101010101" pitchFamily="50" charset="-127"/>
                 <a:ea typeface="나눔스퀘어_ac" panose="020B0600000101010101" pitchFamily="50" charset="-127"/>
               </a:rPr>
-              <a:t>1</a:t>
-            </a:r>
-            <a:r>
-              <a:rPr lang="en-US" altLang="ko-KR" sz="1200" smtClean="0">
-                <a:solidFill>
-                  <a:prstClr val="black"/>
-                </a:solidFill>
-                <a:latin typeface="나눔스퀘어_ac" panose="020B0600000101010101" pitchFamily="50" charset="-127"/>
-                <a:ea typeface="나눔스퀘어_ac" panose="020B0600000101010101" pitchFamily="50" charset="-127"/>
-              </a:rPr>
-              <a:t>. </a:t>
+              <a:t>1. </a:t>
             </a:r>
             <a:r>
               <a:rPr lang="ko-KR" altLang="en-US" sz="1200" smtClean="0">
@@ -15611,17 +15561,7 @@
                 <a:latin typeface="나눔스퀘어_ac" panose="020B0600000101010101" pitchFamily="50" charset="-127"/>
                 <a:ea typeface="나눔스퀘어_ac" panose="020B0600000101010101" pitchFamily="50" charset="-127"/>
               </a:rPr>
-              <a:t>부분으로 </a:t>
-            </a:r>
-            <a:r>
-              <a:rPr lang="ko-KR" altLang="en-US" sz="1200" smtClean="0">
-                <a:solidFill>
-                  <a:prstClr val="black"/>
-                </a:solidFill>
-                <a:latin typeface="나눔스퀘어_ac" panose="020B0600000101010101" pitchFamily="50" charset="-127"/>
-                <a:ea typeface="나눔스퀘어_ac" panose="020B0600000101010101" pitchFamily="50" charset="-127"/>
-              </a:rPr>
-              <a:t>입력</a:t>
+              <a:t>부분으로 입력</a:t>
             </a:r>
             <a:endParaRPr lang="en-US" altLang="ko-KR" sz="1200" smtClean="0">
               <a:solidFill>
@@ -16351,17 +16291,7 @@
                 <a:latin typeface="나눔스퀘어_ac" panose="020B0600000101010101" pitchFamily="50" charset="-127"/>
                 <a:ea typeface="나눔스퀘어_ac" panose="020B0600000101010101" pitchFamily="50" charset="-127"/>
               </a:rPr>
-              <a:t>1</a:t>
-            </a:r>
-            <a:r>
-              <a:rPr lang="en-US" altLang="ko-KR" sz="1200" smtClean="0">
-                <a:solidFill>
-                  <a:prstClr val="black"/>
-                </a:solidFill>
-                <a:latin typeface="나눔스퀘어_ac" panose="020B0600000101010101" pitchFamily="50" charset="-127"/>
-                <a:ea typeface="나눔스퀘어_ac" panose="020B0600000101010101" pitchFamily="50" charset="-127"/>
-              </a:rPr>
-              <a:t>. </a:t>
+              <a:t>1. </a:t>
             </a:r>
             <a:r>
               <a:rPr lang="ko-KR" altLang="en-US" sz="1200" smtClean="0">
@@ -18107,14 +18037,14 @@
           <a:p>
             <a:pPr algn="ctr"/>
             <a:r>
-              <a:rPr lang="en-US" altLang="ko-KR" sz="1600" err="1" smtClean="0">
+              <a:rPr lang="en-US" altLang="ko-KR" sz="1600">
                 <a:solidFill>
                   <a:prstClr val="white"/>
                 </a:solidFill>
                 <a:latin typeface="나눔스퀘어_ac ExtraBold" panose="020B0600000101010101" pitchFamily="50" charset="-127"/>
                 <a:ea typeface="나눔스퀘어_ac ExtraBold" panose="020B0600000101010101" pitchFamily="50" charset="-127"/>
               </a:rPr>
-              <a:t>jsp</a:t>
+              <a:t>View</a:t>
             </a:r>
             <a:endParaRPr lang="ko-KR" altLang="en-US" sz="1600">
               <a:solidFill>
@@ -19263,17 +19193,7 @@
                 <a:latin typeface="나눔스퀘어_ac" panose="020B0600000101010101" pitchFamily="50" charset="-127"/>
                 <a:ea typeface="나눔스퀘어_ac" panose="020B0600000101010101" pitchFamily="50" charset="-127"/>
               </a:rPr>
-              <a:t>1</a:t>
-            </a:r>
-            <a:r>
-              <a:rPr lang="en-US" altLang="ko-KR" sz="1200" smtClean="0">
-                <a:solidFill>
-                  <a:prstClr val="black"/>
-                </a:solidFill>
-                <a:latin typeface="나눔스퀘어_ac" panose="020B0600000101010101" pitchFamily="50" charset="-127"/>
-                <a:ea typeface="나눔스퀘어_ac" panose="020B0600000101010101" pitchFamily="50" charset="-127"/>
-              </a:rPr>
-              <a:t>. </a:t>
+              <a:t>1. </a:t>
             </a:r>
             <a:r>
               <a:rPr lang="ko-KR" altLang="en-US" sz="1200" smtClean="0">
@@ -20593,17 +20513,7 @@
                 <a:latin typeface="나눔스퀘어_ac" panose="020B0600000101010101" pitchFamily="50" charset="-127"/>
                 <a:ea typeface="나눔스퀘어_ac" panose="020B0600000101010101" pitchFamily="50" charset="-127"/>
               </a:rPr>
-              <a:t>1</a:t>
-            </a:r>
-            <a:r>
-              <a:rPr lang="en-US" altLang="ko-KR" sz="1200" smtClean="0">
-                <a:solidFill>
-                  <a:prstClr val="black"/>
-                </a:solidFill>
-                <a:latin typeface="나눔스퀘어_ac" panose="020B0600000101010101" pitchFamily="50" charset="-127"/>
-                <a:ea typeface="나눔스퀘어_ac" panose="020B0600000101010101" pitchFamily="50" charset="-127"/>
-              </a:rPr>
-              <a:t>. </a:t>
+              <a:t>1. </a:t>
             </a:r>
             <a:r>
               <a:rPr lang="ko-KR" altLang="en-US" sz="1200" smtClean="0">
@@ -20680,17 +20590,7 @@
                 <a:latin typeface="나눔스퀘어_ac" panose="020B0600000101010101" pitchFamily="50" charset="-127"/>
                 <a:ea typeface="나눔스퀘어_ac" panose="020B0600000101010101" pitchFamily="50" charset="-127"/>
               </a:rPr>
-              <a:t>모델에 </a:t>
-            </a:r>
-            <a:r>
-              <a:rPr lang="ko-KR" altLang="en-US" sz="1200">
-                <a:solidFill>
-                  <a:prstClr val="black"/>
-                </a:solidFill>
-                <a:latin typeface="나눔스퀘어_ac" panose="020B0600000101010101" pitchFamily="50" charset="-127"/>
-                <a:ea typeface="나눔스퀘어_ac" panose="020B0600000101010101" pitchFamily="50" charset="-127"/>
-              </a:rPr>
-              <a:t>추가한다</a:t>
+              <a:t>모델에 추가한다</a:t>
             </a:r>
             <a:r>
               <a:rPr lang="en-US" altLang="ko-KR" sz="1200" smtClean="0">
@@ -20800,17 +20700,7 @@
                 <a:latin typeface="나눔스퀘어_ac" panose="020B0600000101010101" pitchFamily="50" charset="-127"/>
                 <a:ea typeface="나눔스퀘어_ac" panose="020B0600000101010101" pitchFamily="50" charset="-127"/>
               </a:rPr>
-              <a:t>형식으로 </a:t>
-            </a:r>
-            <a:r>
-              <a:rPr lang="ko-KR" altLang="en-US" sz="1200">
-                <a:solidFill>
-                  <a:prstClr val="black"/>
-                </a:solidFill>
-                <a:latin typeface="나눔스퀘어_ac" panose="020B0600000101010101" pitchFamily="50" charset="-127"/>
-                <a:ea typeface="나눔스퀘어_ac" panose="020B0600000101010101" pitchFamily="50" charset="-127"/>
-              </a:rPr>
-              <a:t>변환한다</a:t>
+              <a:t>형식으로 변환한다</a:t>
             </a:r>
             <a:r>
               <a:rPr lang="en-US" altLang="ko-KR" sz="1200" smtClean="0">
@@ -22122,20 +22012,7 @@
                 <a:latin typeface="타이포_스톰 B" panose="02020503020101020101" pitchFamily="18" charset="-127"/>
                 <a:ea typeface="타이포_스톰 B" panose="02020503020101020101" pitchFamily="18" charset="-127"/>
               </a:rPr>
-              <a:t>(</a:t>
-            </a:r>
-            <a:r>
-              <a:rPr lang="en-US" altLang="ko-KR" sz="2000">
-                <a:solidFill>
-                  <a:prstClr val="black">
-                    <a:lumMod val="75000"/>
-                    <a:lumOff val="25000"/>
-                  </a:prstClr>
-                </a:solidFill>
-                <a:latin typeface="타이포_스톰 B" panose="02020503020101020101" pitchFamily="18" charset="-127"/>
-                <a:ea typeface="타이포_스톰 B" panose="02020503020101020101" pitchFamily="18" charset="-127"/>
-              </a:rPr>
-              <a:t>PM</a:t>
+              <a:t>(PM</a:t>
             </a:r>
             <a:r>
               <a:rPr lang="en-US" altLang="ko-KR" sz="2000" smtClean="0">
@@ -23160,27 +23037,7 @@
                 <a:latin typeface="나눔스퀘어_ac" panose="020B0600000101010101" pitchFamily="50" charset="-127"/>
                 <a:ea typeface="나눔스퀘어_ac" panose="020B0600000101010101" pitchFamily="50" charset="-127"/>
               </a:rPr>
-              <a:t>1</a:t>
-            </a:r>
-            <a:r>
-              <a:rPr lang="en-US" altLang="ko-KR" sz="1200" smtClean="0">
-                <a:solidFill>
-                  <a:prstClr val="black"/>
-                </a:solidFill>
-                <a:latin typeface="나눔스퀘어_ac" panose="020B0600000101010101" pitchFamily="50" charset="-127"/>
-                <a:ea typeface="나눔스퀘어_ac" panose="020B0600000101010101" pitchFamily="50" charset="-127"/>
-              </a:rPr>
-              <a:t>. </a:t>
-            </a:r>
-            <a:r>
-              <a:rPr lang="en-US" altLang="ko-KR" sz="1200" smtClean="0">
-                <a:solidFill>
-                  <a:prstClr val="black"/>
-                </a:solidFill>
-                <a:latin typeface="나눔스퀘어_ac" panose="020B0600000101010101" pitchFamily="50" charset="-127"/>
-                <a:ea typeface="나눔스퀘어_ac" panose="020B0600000101010101" pitchFamily="50" charset="-127"/>
-              </a:rPr>
-              <a:t>clisttmfinal : </a:t>
+              <a:t>1. clisttmfinal : </a:t>
             </a:r>
             <a:r>
               <a:rPr lang="ko-KR" altLang="en-US" sz="1200" smtClean="0">
@@ -24496,13 +24353,6 @@
               </a:rPr>
               <a:t>.</a:t>
             </a:r>
-            <a:endParaRPr lang="en-US" altLang="ko-KR" sz="1200" smtClean="0">
-              <a:solidFill>
-                <a:prstClr val="black"/>
-              </a:solidFill>
-              <a:latin typeface="나눔스퀘어_ac" panose="020B0600000101010101" pitchFamily="50" charset="-127"/>
-              <a:ea typeface="나눔스퀘어_ac" panose="020B0600000101010101" pitchFamily="50" charset="-127"/>
-            </a:endParaRPr>
           </a:p>
         </p:txBody>
       </p:sp>
